--- a/Home Page.pptx
+++ b/Home Page.pptx
@@ -6,6 +6,7 @@
   </p:sldMasterIdLst>
   <p:sldIdLst>
     <p:sldId id="256" r:id="rId2"/>
+    <p:sldId id="257" r:id="rId3"/>
   </p:sldIdLst>
   <p:sldSz cx="12192000" cy="6858000"/>
   <p:notesSz cx="6858000" cy="9144000"/>
@@ -104,6 +105,11 @@
       </a:defRPr>
     </a:lvl9pPr>
   </p:defaultTextStyle>
+  <p:extLst>
+    <p:ext uri="{EFAFB233-063F-42B5-8137-9DF3F51BA10A}">
+      <p15:sldGuideLst xmlns:p15="http://schemas.microsoft.com/office/powerpoint/2012/main"/>
+    </p:ext>
+  </p:extLst>
 </p:presentation>
 </file>
 
@@ -129,7 +135,7 @@
           <p:cNvPr id="2" name="Title 1">
             <a:extLst>
               <a:ext uri="{FF2B5EF4-FFF2-40B4-BE49-F238E27FC236}">
-                <a16:creationId xmlns:a16="http://schemas.microsoft.com/office/drawing/2014/main" id="{67F53EE5-9B47-5EE7-232F-7932B53BFDC0}"/>
+                <a16:creationId xmlns:a16="http://schemas.microsoft.com/office/drawing/2014/main" id="{D4B2C9A3-5B2B-CB13-5E5A-E33D8E7EBB99}"/>
               </a:ext>
             </a:extLst>
           </p:cNvPr>
@@ -166,7 +172,7 @@
           <p:cNvPr id="3" name="Subtitle 2">
             <a:extLst>
               <a:ext uri="{FF2B5EF4-FFF2-40B4-BE49-F238E27FC236}">
-                <a16:creationId xmlns:a16="http://schemas.microsoft.com/office/drawing/2014/main" id="{CA2BE97B-5325-0EEB-D822-8689B7BEDB6D}"/>
+                <a16:creationId xmlns:a16="http://schemas.microsoft.com/office/drawing/2014/main" id="{70D3EC17-3C9E-B5B3-16D0-DC1AEDF4C805}"/>
               </a:ext>
             </a:extLst>
           </p:cNvPr>
@@ -236,7 +242,7 @@
           <p:cNvPr id="4" name="Date Placeholder 3">
             <a:extLst>
               <a:ext uri="{FF2B5EF4-FFF2-40B4-BE49-F238E27FC236}">
-                <a16:creationId xmlns:a16="http://schemas.microsoft.com/office/drawing/2014/main" id="{1B55F10E-1771-723C-1D34-13820B621E65}"/>
+                <a16:creationId xmlns:a16="http://schemas.microsoft.com/office/drawing/2014/main" id="{21148D5B-0C78-8AD9-ADEA-7A0DDB8F2879}"/>
               </a:ext>
             </a:extLst>
           </p:cNvPr>
@@ -252,9 +258,9 @@
           <a:bodyPr/>
           <a:lstStyle/>
           <a:p>
-            <a:fld id="{46CD74F8-C914-4F7C-910A-3B4D0B14C729}" type="datetimeFigureOut">
+            <a:fld id="{542E2ECA-EA9F-4A41-9F2C-58ADE3C3BE7C}" type="datetimeFigureOut">
               <a:rPr lang="en-US" smtClean="0"/>
-              <a:t>10/3/2022</a:t>
+              <a:t>10/10/2022</a:t>
             </a:fld>
             <a:endParaRPr lang="en-US"/>
           </a:p>
@@ -265,7 +271,7 @@
           <p:cNvPr id="5" name="Footer Placeholder 4">
             <a:extLst>
               <a:ext uri="{FF2B5EF4-FFF2-40B4-BE49-F238E27FC236}">
-                <a16:creationId xmlns:a16="http://schemas.microsoft.com/office/drawing/2014/main" id="{7BB4D76B-5038-DABE-7B2D-A31DBB0D4F48}"/>
+                <a16:creationId xmlns:a16="http://schemas.microsoft.com/office/drawing/2014/main" id="{5C66495F-C557-0655-29A4-A90D3CABC20A}"/>
               </a:ext>
             </a:extLst>
           </p:cNvPr>
@@ -290,7 +296,7 @@
           <p:cNvPr id="6" name="Slide Number Placeholder 5">
             <a:extLst>
               <a:ext uri="{FF2B5EF4-FFF2-40B4-BE49-F238E27FC236}">
-                <a16:creationId xmlns:a16="http://schemas.microsoft.com/office/drawing/2014/main" id="{6D817996-C773-E969-7D9E-8E5692A09203}"/>
+                <a16:creationId xmlns:a16="http://schemas.microsoft.com/office/drawing/2014/main" id="{33D0B167-E2C4-BFE3-40CD-D8FD8397828B}"/>
               </a:ext>
             </a:extLst>
           </p:cNvPr>
@@ -306,7 +312,7 @@
           <a:bodyPr/>
           <a:lstStyle/>
           <a:p>
-            <a:fld id="{C1F66F3A-135C-48E7-B631-D54ABFFC4E4F}" type="slidenum">
+            <a:fld id="{16F74C10-AAFA-4D96-956F-A3B8DD9BAF58}" type="slidenum">
               <a:rPr lang="en-US" smtClean="0"/>
               <a:t>‹#›</a:t>
             </a:fld>
@@ -317,7 +323,7 @@
     </p:spTree>
     <p:extLst>
       <p:ext uri="{BB962C8B-B14F-4D97-AF65-F5344CB8AC3E}">
-        <p14:creationId xmlns:p14="http://schemas.microsoft.com/office/powerpoint/2010/main" val="2885892952"/>
+        <p14:creationId xmlns:p14="http://schemas.microsoft.com/office/powerpoint/2010/main" val="1019167874"/>
       </p:ext>
     </p:extLst>
   </p:cSld>
@@ -349,7 +355,7 @@
           <p:cNvPr id="2" name="Title 1">
             <a:extLst>
               <a:ext uri="{FF2B5EF4-FFF2-40B4-BE49-F238E27FC236}">
-                <a16:creationId xmlns:a16="http://schemas.microsoft.com/office/drawing/2014/main" id="{5CB73E1A-88E4-0C05-41AA-3E5E53FF5AE7}"/>
+                <a16:creationId xmlns:a16="http://schemas.microsoft.com/office/drawing/2014/main" id="{0177B051-7073-1D42-9580-0A1F78A4696E}"/>
               </a:ext>
             </a:extLst>
           </p:cNvPr>
@@ -377,7 +383,7 @@
           <p:cNvPr id="3" name="Vertical Text Placeholder 2">
             <a:extLst>
               <a:ext uri="{FF2B5EF4-FFF2-40B4-BE49-F238E27FC236}">
-                <a16:creationId xmlns:a16="http://schemas.microsoft.com/office/drawing/2014/main" id="{5B1A3267-953B-6561-304E-5540536B1275}"/>
+                <a16:creationId xmlns:a16="http://schemas.microsoft.com/office/drawing/2014/main" id="{9320568A-164E-0202-8C45-41074E99889A}"/>
               </a:ext>
             </a:extLst>
           </p:cNvPr>
@@ -434,7 +440,7 @@
           <p:cNvPr id="4" name="Date Placeholder 3">
             <a:extLst>
               <a:ext uri="{FF2B5EF4-FFF2-40B4-BE49-F238E27FC236}">
-                <a16:creationId xmlns:a16="http://schemas.microsoft.com/office/drawing/2014/main" id="{DAE5AE33-E034-AFEB-5F97-D51EA3631F70}"/>
+                <a16:creationId xmlns:a16="http://schemas.microsoft.com/office/drawing/2014/main" id="{48A3F1E5-75A7-FECB-DE99-5C6B0DE002D2}"/>
               </a:ext>
             </a:extLst>
           </p:cNvPr>
@@ -450,9 +456,9 @@
           <a:bodyPr/>
           <a:lstStyle/>
           <a:p>
-            <a:fld id="{46CD74F8-C914-4F7C-910A-3B4D0B14C729}" type="datetimeFigureOut">
+            <a:fld id="{542E2ECA-EA9F-4A41-9F2C-58ADE3C3BE7C}" type="datetimeFigureOut">
               <a:rPr lang="en-US" smtClean="0"/>
-              <a:t>10/3/2022</a:t>
+              <a:t>10/10/2022</a:t>
             </a:fld>
             <a:endParaRPr lang="en-US"/>
           </a:p>
@@ -463,7 +469,7 @@
           <p:cNvPr id="5" name="Footer Placeholder 4">
             <a:extLst>
               <a:ext uri="{FF2B5EF4-FFF2-40B4-BE49-F238E27FC236}">
-                <a16:creationId xmlns:a16="http://schemas.microsoft.com/office/drawing/2014/main" id="{B044FABA-D2F4-BA8E-EF81-B5EC11F16AD0}"/>
+                <a16:creationId xmlns:a16="http://schemas.microsoft.com/office/drawing/2014/main" id="{56B262DB-F490-B695-B95F-B03310A5417C}"/>
               </a:ext>
             </a:extLst>
           </p:cNvPr>
@@ -488,7 +494,7 @@
           <p:cNvPr id="6" name="Slide Number Placeholder 5">
             <a:extLst>
               <a:ext uri="{FF2B5EF4-FFF2-40B4-BE49-F238E27FC236}">
-                <a16:creationId xmlns:a16="http://schemas.microsoft.com/office/drawing/2014/main" id="{A530D4E3-30BB-9F87-D20C-530F74F82137}"/>
+                <a16:creationId xmlns:a16="http://schemas.microsoft.com/office/drawing/2014/main" id="{10F16811-7B70-4855-F45E-36B33B5B4393}"/>
               </a:ext>
             </a:extLst>
           </p:cNvPr>
@@ -504,7 +510,7 @@
           <a:bodyPr/>
           <a:lstStyle/>
           <a:p>
-            <a:fld id="{C1F66F3A-135C-48E7-B631-D54ABFFC4E4F}" type="slidenum">
+            <a:fld id="{16F74C10-AAFA-4D96-956F-A3B8DD9BAF58}" type="slidenum">
               <a:rPr lang="en-US" smtClean="0"/>
               <a:t>‹#›</a:t>
             </a:fld>
@@ -515,7 +521,7 @@
     </p:spTree>
     <p:extLst>
       <p:ext uri="{BB962C8B-B14F-4D97-AF65-F5344CB8AC3E}">
-        <p14:creationId xmlns:p14="http://schemas.microsoft.com/office/powerpoint/2010/main" val="3962570344"/>
+        <p14:creationId xmlns:p14="http://schemas.microsoft.com/office/powerpoint/2010/main" val="1354865540"/>
       </p:ext>
     </p:extLst>
   </p:cSld>
@@ -547,7 +553,7 @@
           <p:cNvPr id="2" name="Vertical Title 1">
             <a:extLst>
               <a:ext uri="{FF2B5EF4-FFF2-40B4-BE49-F238E27FC236}">
-                <a16:creationId xmlns:a16="http://schemas.microsoft.com/office/drawing/2014/main" id="{6D9B08D7-5924-A71F-398C-23376891385F}"/>
+                <a16:creationId xmlns:a16="http://schemas.microsoft.com/office/drawing/2014/main" id="{98FB82B2-0442-136C-2626-49ACC4E53712}"/>
               </a:ext>
             </a:extLst>
           </p:cNvPr>
@@ -580,7 +586,7 @@
           <p:cNvPr id="3" name="Vertical Text Placeholder 2">
             <a:extLst>
               <a:ext uri="{FF2B5EF4-FFF2-40B4-BE49-F238E27FC236}">
-                <a16:creationId xmlns:a16="http://schemas.microsoft.com/office/drawing/2014/main" id="{0CA007BA-71B7-FEC9-4110-9ED2F7054E24}"/>
+                <a16:creationId xmlns:a16="http://schemas.microsoft.com/office/drawing/2014/main" id="{9398476F-7041-1EDC-7DFA-FD3A98D4A964}"/>
               </a:ext>
             </a:extLst>
           </p:cNvPr>
@@ -642,7 +648,7 @@
           <p:cNvPr id="4" name="Date Placeholder 3">
             <a:extLst>
               <a:ext uri="{FF2B5EF4-FFF2-40B4-BE49-F238E27FC236}">
-                <a16:creationId xmlns:a16="http://schemas.microsoft.com/office/drawing/2014/main" id="{3A2FB3A4-2AB3-90FB-77F3-D023848AE5ED}"/>
+                <a16:creationId xmlns:a16="http://schemas.microsoft.com/office/drawing/2014/main" id="{6211C963-4A27-1727-6C3D-0F36382D4D3C}"/>
               </a:ext>
             </a:extLst>
           </p:cNvPr>
@@ -658,9 +664,9 @@
           <a:bodyPr/>
           <a:lstStyle/>
           <a:p>
-            <a:fld id="{46CD74F8-C914-4F7C-910A-3B4D0B14C729}" type="datetimeFigureOut">
+            <a:fld id="{542E2ECA-EA9F-4A41-9F2C-58ADE3C3BE7C}" type="datetimeFigureOut">
               <a:rPr lang="en-US" smtClean="0"/>
-              <a:t>10/3/2022</a:t>
+              <a:t>10/10/2022</a:t>
             </a:fld>
             <a:endParaRPr lang="en-US"/>
           </a:p>
@@ -671,7 +677,7 @@
           <p:cNvPr id="5" name="Footer Placeholder 4">
             <a:extLst>
               <a:ext uri="{FF2B5EF4-FFF2-40B4-BE49-F238E27FC236}">
-                <a16:creationId xmlns:a16="http://schemas.microsoft.com/office/drawing/2014/main" id="{BFF739CD-673E-833C-9122-EF457F2EA470}"/>
+                <a16:creationId xmlns:a16="http://schemas.microsoft.com/office/drawing/2014/main" id="{07CFA7AF-FEB6-E682-D92F-3517A3E5FBED}"/>
               </a:ext>
             </a:extLst>
           </p:cNvPr>
@@ -696,7 +702,7 @@
           <p:cNvPr id="6" name="Slide Number Placeholder 5">
             <a:extLst>
               <a:ext uri="{FF2B5EF4-FFF2-40B4-BE49-F238E27FC236}">
-                <a16:creationId xmlns:a16="http://schemas.microsoft.com/office/drawing/2014/main" id="{AE7B91F0-4A67-5791-8F33-DF5BB967ECF4}"/>
+                <a16:creationId xmlns:a16="http://schemas.microsoft.com/office/drawing/2014/main" id="{5CF11263-BA32-C78C-3F37-1554E2E80405}"/>
               </a:ext>
             </a:extLst>
           </p:cNvPr>
@@ -712,7 +718,7 @@
           <a:bodyPr/>
           <a:lstStyle/>
           <a:p>
-            <a:fld id="{C1F66F3A-135C-48E7-B631-D54ABFFC4E4F}" type="slidenum">
+            <a:fld id="{16F74C10-AAFA-4D96-956F-A3B8DD9BAF58}" type="slidenum">
               <a:rPr lang="en-US" smtClean="0"/>
               <a:t>‹#›</a:t>
             </a:fld>
@@ -723,7 +729,7 @@
     </p:spTree>
     <p:extLst>
       <p:ext uri="{BB962C8B-B14F-4D97-AF65-F5344CB8AC3E}">
-        <p14:creationId xmlns:p14="http://schemas.microsoft.com/office/powerpoint/2010/main" val="2216336249"/>
+        <p14:creationId xmlns:p14="http://schemas.microsoft.com/office/powerpoint/2010/main" val="3297704203"/>
       </p:ext>
     </p:extLst>
   </p:cSld>
@@ -755,7 +761,7 @@
           <p:cNvPr id="2" name="Title 1">
             <a:extLst>
               <a:ext uri="{FF2B5EF4-FFF2-40B4-BE49-F238E27FC236}">
-                <a16:creationId xmlns:a16="http://schemas.microsoft.com/office/drawing/2014/main" id="{75413864-6DA7-0511-A991-CB8911CA3EED}"/>
+                <a16:creationId xmlns:a16="http://schemas.microsoft.com/office/drawing/2014/main" id="{637BF7B7-2950-9750-BFFD-CA9255C310EE}"/>
               </a:ext>
             </a:extLst>
           </p:cNvPr>
@@ -783,7 +789,7 @@
           <p:cNvPr id="3" name="Content Placeholder 2">
             <a:extLst>
               <a:ext uri="{FF2B5EF4-FFF2-40B4-BE49-F238E27FC236}">
-                <a16:creationId xmlns:a16="http://schemas.microsoft.com/office/drawing/2014/main" id="{2BD419D2-B085-6640-C5BD-0798FF7DD5B7}"/>
+                <a16:creationId xmlns:a16="http://schemas.microsoft.com/office/drawing/2014/main" id="{6B541A63-9341-5A58-141E-C635FC902415}"/>
               </a:ext>
             </a:extLst>
           </p:cNvPr>
@@ -840,7 +846,7 @@
           <p:cNvPr id="4" name="Date Placeholder 3">
             <a:extLst>
               <a:ext uri="{FF2B5EF4-FFF2-40B4-BE49-F238E27FC236}">
-                <a16:creationId xmlns:a16="http://schemas.microsoft.com/office/drawing/2014/main" id="{22CF3437-305D-E042-BB7A-5C4745E7043B}"/>
+                <a16:creationId xmlns:a16="http://schemas.microsoft.com/office/drawing/2014/main" id="{5BF8800C-5704-FCA8-96E7-2775DB31582E}"/>
               </a:ext>
             </a:extLst>
           </p:cNvPr>
@@ -856,9 +862,9 @@
           <a:bodyPr/>
           <a:lstStyle/>
           <a:p>
-            <a:fld id="{46CD74F8-C914-4F7C-910A-3B4D0B14C729}" type="datetimeFigureOut">
+            <a:fld id="{542E2ECA-EA9F-4A41-9F2C-58ADE3C3BE7C}" type="datetimeFigureOut">
               <a:rPr lang="en-US" smtClean="0"/>
-              <a:t>10/3/2022</a:t>
+              <a:t>10/10/2022</a:t>
             </a:fld>
             <a:endParaRPr lang="en-US"/>
           </a:p>
@@ -869,7 +875,7 @@
           <p:cNvPr id="5" name="Footer Placeholder 4">
             <a:extLst>
               <a:ext uri="{FF2B5EF4-FFF2-40B4-BE49-F238E27FC236}">
-                <a16:creationId xmlns:a16="http://schemas.microsoft.com/office/drawing/2014/main" id="{9DD2CC50-20EF-4230-3A8A-05BE536F4708}"/>
+                <a16:creationId xmlns:a16="http://schemas.microsoft.com/office/drawing/2014/main" id="{5C55D410-0DA7-A8D6-E5A7-74279F945E70}"/>
               </a:ext>
             </a:extLst>
           </p:cNvPr>
@@ -894,7 +900,7 @@
           <p:cNvPr id="6" name="Slide Number Placeholder 5">
             <a:extLst>
               <a:ext uri="{FF2B5EF4-FFF2-40B4-BE49-F238E27FC236}">
-                <a16:creationId xmlns:a16="http://schemas.microsoft.com/office/drawing/2014/main" id="{A7B950BD-DBF5-AF12-D51D-7CB7775BB33C}"/>
+                <a16:creationId xmlns:a16="http://schemas.microsoft.com/office/drawing/2014/main" id="{7B364498-8B0A-FF1A-28F5-33E9ED31C511}"/>
               </a:ext>
             </a:extLst>
           </p:cNvPr>
@@ -910,7 +916,7 @@
           <a:bodyPr/>
           <a:lstStyle/>
           <a:p>
-            <a:fld id="{C1F66F3A-135C-48E7-B631-D54ABFFC4E4F}" type="slidenum">
+            <a:fld id="{16F74C10-AAFA-4D96-956F-A3B8DD9BAF58}" type="slidenum">
               <a:rPr lang="en-US" smtClean="0"/>
               <a:t>‹#›</a:t>
             </a:fld>
@@ -921,7 +927,7 @@
     </p:spTree>
     <p:extLst>
       <p:ext uri="{BB962C8B-B14F-4D97-AF65-F5344CB8AC3E}">
-        <p14:creationId xmlns:p14="http://schemas.microsoft.com/office/powerpoint/2010/main" val="1567571796"/>
+        <p14:creationId xmlns:p14="http://schemas.microsoft.com/office/powerpoint/2010/main" val="1941346566"/>
       </p:ext>
     </p:extLst>
   </p:cSld>
@@ -953,7 +959,7 @@
           <p:cNvPr id="2" name="Title 1">
             <a:extLst>
               <a:ext uri="{FF2B5EF4-FFF2-40B4-BE49-F238E27FC236}">
-                <a16:creationId xmlns:a16="http://schemas.microsoft.com/office/drawing/2014/main" id="{4FA3C394-06B3-91AB-25DE-B6AC2ACBF6E6}"/>
+                <a16:creationId xmlns:a16="http://schemas.microsoft.com/office/drawing/2014/main" id="{81E48323-0E83-C2EA-6C90-D7F7EF5A1C7F}"/>
               </a:ext>
             </a:extLst>
           </p:cNvPr>
@@ -990,7 +996,7 @@
           <p:cNvPr id="3" name="Text Placeholder 2">
             <a:extLst>
               <a:ext uri="{FF2B5EF4-FFF2-40B4-BE49-F238E27FC236}">
-                <a16:creationId xmlns:a16="http://schemas.microsoft.com/office/drawing/2014/main" id="{1F7959F1-83EC-A272-B741-1A74E8F8F6F3}"/>
+                <a16:creationId xmlns:a16="http://schemas.microsoft.com/office/drawing/2014/main" id="{88880696-AFC6-4D6B-AD62-D72756A396A2}"/>
               </a:ext>
             </a:extLst>
           </p:cNvPr>
@@ -1115,7 +1121,7 @@
           <p:cNvPr id="4" name="Date Placeholder 3">
             <a:extLst>
               <a:ext uri="{FF2B5EF4-FFF2-40B4-BE49-F238E27FC236}">
-                <a16:creationId xmlns:a16="http://schemas.microsoft.com/office/drawing/2014/main" id="{94A2D316-AC68-072A-65F9-33914E755678}"/>
+                <a16:creationId xmlns:a16="http://schemas.microsoft.com/office/drawing/2014/main" id="{93BE552A-5EC3-B4D6-FB4D-0CCBFAD22529}"/>
               </a:ext>
             </a:extLst>
           </p:cNvPr>
@@ -1131,9 +1137,9 @@
           <a:bodyPr/>
           <a:lstStyle/>
           <a:p>
-            <a:fld id="{46CD74F8-C914-4F7C-910A-3B4D0B14C729}" type="datetimeFigureOut">
+            <a:fld id="{542E2ECA-EA9F-4A41-9F2C-58ADE3C3BE7C}" type="datetimeFigureOut">
               <a:rPr lang="en-US" smtClean="0"/>
-              <a:t>10/3/2022</a:t>
+              <a:t>10/10/2022</a:t>
             </a:fld>
             <a:endParaRPr lang="en-US"/>
           </a:p>
@@ -1144,7 +1150,7 @@
           <p:cNvPr id="5" name="Footer Placeholder 4">
             <a:extLst>
               <a:ext uri="{FF2B5EF4-FFF2-40B4-BE49-F238E27FC236}">
-                <a16:creationId xmlns:a16="http://schemas.microsoft.com/office/drawing/2014/main" id="{E77C661E-B7C8-BF36-2050-C67D27D76EB4}"/>
+                <a16:creationId xmlns:a16="http://schemas.microsoft.com/office/drawing/2014/main" id="{59EF7D99-03E4-3F12-BF7E-AE9D59963942}"/>
               </a:ext>
             </a:extLst>
           </p:cNvPr>
@@ -1169,7 +1175,7 @@
           <p:cNvPr id="6" name="Slide Number Placeholder 5">
             <a:extLst>
               <a:ext uri="{FF2B5EF4-FFF2-40B4-BE49-F238E27FC236}">
-                <a16:creationId xmlns:a16="http://schemas.microsoft.com/office/drawing/2014/main" id="{5E4EA143-E090-BACC-9250-B9F595D0C0A3}"/>
+                <a16:creationId xmlns:a16="http://schemas.microsoft.com/office/drawing/2014/main" id="{AD8348A0-D191-C537-2F6B-B294E32AF0C0}"/>
               </a:ext>
             </a:extLst>
           </p:cNvPr>
@@ -1185,7 +1191,7 @@
           <a:bodyPr/>
           <a:lstStyle/>
           <a:p>
-            <a:fld id="{C1F66F3A-135C-48E7-B631-D54ABFFC4E4F}" type="slidenum">
+            <a:fld id="{16F74C10-AAFA-4D96-956F-A3B8DD9BAF58}" type="slidenum">
               <a:rPr lang="en-US" smtClean="0"/>
               <a:t>‹#›</a:t>
             </a:fld>
@@ -1196,7 +1202,7 @@
     </p:spTree>
     <p:extLst>
       <p:ext uri="{BB962C8B-B14F-4D97-AF65-F5344CB8AC3E}">
-        <p14:creationId xmlns:p14="http://schemas.microsoft.com/office/powerpoint/2010/main" val="240735448"/>
+        <p14:creationId xmlns:p14="http://schemas.microsoft.com/office/powerpoint/2010/main" val="97945342"/>
       </p:ext>
     </p:extLst>
   </p:cSld>
@@ -1228,7 +1234,7 @@
           <p:cNvPr id="2" name="Title 1">
             <a:extLst>
               <a:ext uri="{FF2B5EF4-FFF2-40B4-BE49-F238E27FC236}">
-                <a16:creationId xmlns:a16="http://schemas.microsoft.com/office/drawing/2014/main" id="{9BBE59F7-F465-283C-4DD3-44C05E339900}"/>
+                <a16:creationId xmlns:a16="http://schemas.microsoft.com/office/drawing/2014/main" id="{ED5FFE4E-23D9-D4E4-7AD1-311395EC81F6}"/>
               </a:ext>
             </a:extLst>
           </p:cNvPr>
@@ -1256,7 +1262,7 @@
           <p:cNvPr id="3" name="Content Placeholder 2">
             <a:extLst>
               <a:ext uri="{FF2B5EF4-FFF2-40B4-BE49-F238E27FC236}">
-                <a16:creationId xmlns:a16="http://schemas.microsoft.com/office/drawing/2014/main" id="{348C99D0-713E-0766-4FAE-CA04572DD854}"/>
+                <a16:creationId xmlns:a16="http://schemas.microsoft.com/office/drawing/2014/main" id="{2333FE01-1FCB-0F9F-D81E-05F1702AAAD4}"/>
               </a:ext>
             </a:extLst>
           </p:cNvPr>
@@ -1318,7 +1324,7 @@
           <p:cNvPr id="4" name="Content Placeholder 3">
             <a:extLst>
               <a:ext uri="{FF2B5EF4-FFF2-40B4-BE49-F238E27FC236}">
-                <a16:creationId xmlns:a16="http://schemas.microsoft.com/office/drawing/2014/main" id="{F350B4CA-208E-21D7-1208-0D00DF56CCDC}"/>
+                <a16:creationId xmlns:a16="http://schemas.microsoft.com/office/drawing/2014/main" id="{AC38BA73-FAAD-4BA5-D955-167F5F109630}"/>
               </a:ext>
             </a:extLst>
           </p:cNvPr>
@@ -1380,7 +1386,7 @@
           <p:cNvPr id="5" name="Date Placeholder 4">
             <a:extLst>
               <a:ext uri="{FF2B5EF4-FFF2-40B4-BE49-F238E27FC236}">
-                <a16:creationId xmlns:a16="http://schemas.microsoft.com/office/drawing/2014/main" id="{3F87FB3D-8478-792A-B30F-93C374F98F78}"/>
+                <a16:creationId xmlns:a16="http://schemas.microsoft.com/office/drawing/2014/main" id="{0286680E-7E12-9F92-CB47-E201B1F91A01}"/>
               </a:ext>
             </a:extLst>
           </p:cNvPr>
@@ -1396,9 +1402,9 @@
           <a:bodyPr/>
           <a:lstStyle/>
           <a:p>
-            <a:fld id="{46CD74F8-C914-4F7C-910A-3B4D0B14C729}" type="datetimeFigureOut">
+            <a:fld id="{542E2ECA-EA9F-4A41-9F2C-58ADE3C3BE7C}" type="datetimeFigureOut">
               <a:rPr lang="en-US" smtClean="0"/>
-              <a:t>10/3/2022</a:t>
+              <a:t>10/10/2022</a:t>
             </a:fld>
             <a:endParaRPr lang="en-US"/>
           </a:p>
@@ -1409,7 +1415,7 @@
           <p:cNvPr id="6" name="Footer Placeholder 5">
             <a:extLst>
               <a:ext uri="{FF2B5EF4-FFF2-40B4-BE49-F238E27FC236}">
-                <a16:creationId xmlns:a16="http://schemas.microsoft.com/office/drawing/2014/main" id="{61C051F1-0E12-4C94-4626-5E28F6637993}"/>
+                <a16:creationId xmlns:a16="http://schemas.microsoft.com/office/drawing/2014/main" id="{BE397CCE-6D26-A7D3-DC49-EDE095C24566}"/>
               </a:ext>
             </a:extLst>
           </p:cNvPr>
@@ -1434,7 +1440,7 @@
           <p:cNvPr id="7" name="Slide Number Placeholder 6">
             <a:extLst>
               <a:ext uri="{FF2B5EF4-FFF2-40B4-BE49-F238E27FC236}">
-                <a16:creationId xmlns:a16="http://schemas.microsoft.com/office/drawing/2014/main" id="{48FCBC08-6136-FF2D-2243-8D18201686F8}"/>
+                <a16:creationId xmlns:a16="http://schemas.microsoft.com/office/drawing/2014/main" id="{7ED57292-134C-9BBD-94E3-BEE2CC8E6236}"/>
               </a:ext>
             </a:extLst>
           </p:cNvPr>
@@ -1450,7 +1456,7 @@
           <a:bodyPr/>
           <a:lstStyle/>
           <a:p>
-            <a:fld id="{C1F66F3A-135C-48E7-B631-D54ABFFC4E4F}" type="slidenum">
+            <a:fld id="{16F74C10-AAFA-4D96-956F-A3B8DD9BAF58}" type="slidenum">
               <a:rPr lang="en-US" smtClean="0"/>
               <a:t>‹#›</a:t>
             </a:fld>
@@ -1461,7 +1467,7 @@
     </p:spTree>
     <p:extLst>
       <p:ext uri="{BB962C8B-B14F-4D97-AF65-F5344CB8AC3E}">
-        <p14:creationId xmlns:p14="http://schemas.microsoft.com/office/powerpoint/2010/main" val="1898520600"/>
+        <p14:creationId xmlns:p14="http://schemas.microsoft.com/office/powerpoint/2010/main" val="627690886"/>
       </p:ext>
     </p:extLst>
   </p:cSld>
@@ -1493,7 +1499,7 @@
           <p:cNvPr id="2" name="Title 1">
             <a:extLst>
               <a:ext uri="{FF2B5EF4-FFF2-40B4-BE49-F238E27FC236}">
-                <a16:creationId xmlns:a16="http://schemas.microsoft.com/office/drawing/2014/main" id="{2E06A6A0-F0F4-94D6-7326-A5CD155779AE}"/>
+                <a16:creationId xmlns:a16="http://schemas.microsoft.com/office/drawing/2014/main" id="{B05062C8-4E06-CC19-C01E-1A26110E23C3}"/>
               </a:ext>
             </a:extLst>
           </p:cNvPr>
@@ -1526,7 +1532,7 @@
           <p:cNvPr id="3" name="Text Placeholder 2">
             <a:extLst>
               <a:ext uri="{FF2B5EF4-FFF2-40B4-BE49-F238E27FC236}">
-                <a16:creationId xmlns:a16="http://schemas.microsoft.com/office/drawing/2014/main" id="{64F6E082-E8C3-710A-21E6-018B8D2B183C}"/>
+                <a16:creationId xmlns:a16="http://schemas.microsoft.com/office/drawing/2014/main" id="{387D754E-2B14-C9F2-8980-AC34D7C6CEB2}"/>
               </a:ext>
             </a:extLst>
           </p:cNvPr>
@@ -1597,7 +1603,7 @@
           <p:cNvPr id="4" name="Content Placeholder 3">
             <a:extLst>
               <a:ext uri="{FF2B5EF4-FFF2-40B4-BE49-F238E27FC236}">
-                <a16:creationId xmlns:a16="http://schemas.microsoft.com/office/drawing/2014/main" id="{FE3C9EF3-948B-280B-262E-F37062B2CC02}"/>
+                <a16:creationId xmlns:a16="http://schemas.microsoft.com/office/drawing/2014/main" id="{DDAC0966-EE0C-1F96-6A26-93798A773397}"/>
               </a:ext>
             </a:extLst>
           </p:cNvPr>
@@ -1659,7 +1665,7 @@
           <p:cNvPr id="5" name="Text Placeholder 4">
             <a:extLst>
               <a:ext uri="{FF2B5EF4-FFF2-40B4-BE49-F238E27FC236}">
-                <a16:creationId xmlns:a16="http://schemas.microsoft.com/office/drawing/2014/main" id="{4087BFF5-AABF-1A21-FE3E-A1F1A0E65FA2}"/>
+                <a16:creationId xmlns:a16="http://schemas.microsoft.com/office/drawing/2014/main" id="{68959EB3-C3C5-42E0-5661-4FBA18C77737}"/>
               </a:ext>
             </a:extLst>
           </p:cNvPr>
@@ -1730,7 +1736,7 @@
           <p:cNvPr id="6" name="Content Placeholder 5">
             <a:extLst>
               <a:ext uri="{FF2B5EF4-FFF2-40B4-BE49-F238E27FC236}">
-                <a16:creationId xmlns:a16="http://schemas.microsoft.com/office/drawing/2014/main" id="{B53EFC58-49CA-FBC7-8AD6-900004307B4B}"/>
+                <a16:creationId xmlns:a16="http://schemas.microsoft.com/office/drawing/2014/main" id="{05B14562-531E-E2F4-D19F-F59B91C48406}"/>
               </a:ext>
             </a:extLst>
           </p:cNvPr>
@@ -1792,7 +1798,7 @@
           <p:cNvPr id="7" name="Date Placeholder 6">
             <a:extLst>
               <a:ext uri="{FF2B5EF4-FFF2-40B4-BE49-F238E27FC236}">
-                <a16:creationId xmlns:a16="http://schemas.microsoft.com/office/drawing/2014/main" id="{1C6E0F13-BEA9-6AE4-3894-3F4BB58FF81A}"/>
+                <a16:creationId xmlns:a16="http://schemas.microsoft.com/office/drawing/2014/main" id="{4102CB1B-F377-A497-E911-04F902AA0F92}"/>
               </a:ext>
             </a:extLst>
           </p:cNvPr>
@@ -1808,9 +1814,9 @@
           <a:bodyPr/>
           <a:lstStyle/>
           <a:p>
-            <a:fld id="{46CD74F8-C914-4F7C-910A-3B4D0B14C729}" type="datetimeFigureOut">
+            <a:fld id="{542E2ECA-EA9F-4A41-9F2C-58ADE3C3BE7C}" type="datetimeFigureOut">
               <a:rPr lang="en-US" smtClean="0"/>
-              <a:t>10/3/2022</a:t>
+              <a:t>10/10/2022</a:t>
             </a:fld>
             <a:endParaRPr lang="en-US"/>
           </a:p>
@@ -1821,7 +1827,7 @@
           <p:cNvPr id="8" name="Footer Placeholder 7">
             <a:extLst>
               <a:ext uri="{FF2B5EF4-FFF2-40B4-BE49-F238E27FC236}">
-                <a16:creationId xmlns:a16="http://schemas.microsoft.com/office/drawing/2014/main" id="{6D515DE2-E327-230D-652B-4F7ABA6C2BB9}"/>
+                <a16:creationId xmlns:a16="http://schemas.microsoft.com/office/drawing/2014/main" id="{D0ED53A1-E5AC-EB4C-AA76-BF80D5DE6A85}"/>
               </a:ext>
             </a:extLst>
           </p:cNvPr>
@@ -1846,7 +1852,7 @@
           <p:cNvPr id="9" name="Slide Number Placeholder 8">
             <a:extLst>
               <a:ext uri="{FF2B5EF4-FFF2-40B4-BE49-F238E27FC236}">
-                <a16:creationId xmlns:a16="http://schemas.microsoft.com/office/drawing/2014/main" id="{BCB88685-05F7-35D6-A8F9-60012CB057B6}"/>
+                <a16:creationId xmlns:a16="http://schemas.microsoft.com/office/drawing/2014/main" id="{2572F4A1-BB41-4919-1296-59BFA9AFF81E}"/>
               </a:ext>
             </a:extLst>
           </p:cNvPr>
@@ -1862,7 +1868,7 @@
           <a:bodyPr/>
           <a:lstStyle/>
           <a:p>
-            <a:fld id="{C1F66F3A-135C-48E7-B631-D54ABFFC4E4F}" type="slidenum">
+            <a:fld id="{16F74C10-AAFA-4D96-956F-A3B8DD9BAF58}" type="slidenum">
               <a:rPr lang="en-US" smtClean="0"/>
               <a:t>‹#›</a:t>
             </a:fld>
@@ -1873,7 +1879,7 @@
     </p:spTree>
     <p:extLst>
       <p:ext uri="{BB962C8B-B14F-4D97-AF65-F5344CB8AC3E}">
-        <p14:creationId xmlns:p14="http://schemas.microsoft.com/office/powerpoint/2010/main" val="502110262"/>
+        <p14:creationId xmlns:p14="http://schemas.microsoft.com/office/powerpoint/2010/main" val="3766497497"/>
       </p:ext>
     </p:extLst>
   </p:cSld>
@@ -1905,7 +1911,7 @@
           <p:cNvPr id="2" name="Title 1">
             <a:extLst>
               <a:ext uri="{FF2B5EF4-FFF2-40B4-BE49-F238E27FC236}">
-                <a16:creationId xmlns:a16="http://schemas.microsoft.com/office/drawing/2014/main" id="{77E232B1-EB8B-0A38-F051-523184996455}"/>
+                <a16:creationId xmlns:a16="http://schemas.microsoft.com/office/drawing/2014/main" id="{104F42BF-B2AC-C6CE-4E2A-00BF5F3ADD37}"/>
               </a:ext>
             </a:extLst>
           </p:cNvPr>
@@ -1933,7 +1939,7 @@
           <p:cNvPr id="3" name="Date Placeholder 2">
             <a:extLst>
               <a:ext uri="{FF2B5EF4-FFF2-40B4-BE49-F238E27FC236}">
-                <a16:creationId xmlns:a16="http://schemas.microsoft.com/office/drawing/2014/main" id="{DABD2A16-54F0-1652-96E9-EBE327A48454}"/>
+                <a16:creationId xmlns:a16="http://schemas.microsoft.com/office/drawing/2014/main" id="{A83A59AF-13B0-5480-06D8-934D8FA56712}"/>
               </a:ext>
             </a:extLst>
           </p:cNvPr>
@@ -1949,9 +1955,9 @@
           <a:bodyPr/>
           <a:lstStyle/>
           <a:p>
-            <a:fld id="{46CD74F8-C914-4F7C-910A-3B4D0B14C729}" type="datetimeFigureOut">
+            <a:fld id="{542E2ECA-EA9F-4A41-9F2C-58ADE3C3BE7C}" type="datetimeFigureOut">
               <a:rPr lang="en-US" smtClean="0"/>
-              <a:t>10/3/2022</a:t>
+              <a:t>10/10/2022</a:t>
             </a:fld>
             <a:endParaRPr lang="en-US"/>
           </a:p>
@@ -1962,7 +1968,7 @@
           <p:cNvPr id="4" name="Footer Placeholder 3">
             <a:extLst>
               <a:ext uri="{FF2B5EF4-FFF2-40B4-BE49-F238E27FC236}">
-                <a16:creationId xmlns:a16="http://schemas.microsoft.com/office/drawing/2014/main" id="{2B36A5AC-FB30-0581-905C-0F0DC64B878D}"/>
+                <a16:creationId xmlns:a16="http://schemas.microsoft.com/office/drawing/2014/main" id="{6AA38A24-7096-0122-F55B-AAF1C62AD185}"/>
               </a:ext>
             </a:extLst>
           </p:cNvPr>
@@ -1987,7 +1993,7 @@
           <p:cNvPr id="5" name="Slide Number Placeholder 4">
             <a:extLst>
               <a:ext uri="{FF2B5EF4-FFF2-40B4-BE49-F238E27FC236}">
-                <a16:creationId xmlns:a16="http://schemas.microsoft.com/office/drawing/2014/main" id="{F51CB55C-5688-9425-B708-2F01A075C634}"/>
+                <a16:creationId xmlns:a16="http://schemas.microsoft.com/office/drawing/2014/main" id="{AD9AF37D-D9EC-5B50-502F-E69AEB7788DA}"/>
               </a:ext>
             </a:extLst>
           </p:cNvPr>
@@ -2003,7 +2009,7 @@
           <a:bodyPr/>
           <a:lstStyle/>
           <a:p>
-            <a:fld id="{C1F66F3A-135C-48E7-B631-D54ABFFC4E4F}" type="slidenum">
+            <a:fld id="{16F74C10-AAFA-4D96-956F-A3B8DD9BAF58}" type="slidenum">
               <a:rPr lang="en-US" smtClean="0"/>
               <a:t>‹#›</a:t>
             </a:fld>
@@ -2014,7 +2020,7 @@
     </p:spTree>
     <p:extLst>
       <p:ext uri="{BB962C8B-B14F-4D97-AF65-F5344CB8AC3E}">
-        <p14:creationId xmlns:p14="http://schemas.microsoft.com/office/powerpoint/2010/main" val="978234865"/>
+        <p14:creationId xmlns:p14="http://schemas.microsoft.com/office/powerpoint/2010/main" val="2641318619"/>
       </p:ext>
     </p:extLst>
   </p:cSld>
@@ -2046,7 +2052,7 @@
           <p:cNvPr id="2" name="Date Placeholder 1">
             <a:extLst>
               <a:ext uri="{FF2B5EF4-FFF2-40B4-BE49-F238E27FC236}">
-                <a16:creationId xmlns:a16="http://schemas.microsoft.com/office/drawing/2014/main" id="{FB097949-831E-B2C6-BE86-E9F544498361}"/>
+                <a16:creationId xmlns:a16="http://schemas.microsoft.com/office/drawing/2014/main" id="{F939946B-17B0-3A6A-5ECC-D36FA531F966}"/>
               </a:ext>
             </a:extLst>
           </p:cNvPr>
@@ -2062,9 +2068,9 @@
           <a:bodyPr/>
           <a:lstStyle/>
           <a:p>
-            <a:fld id="{46CD74F8-C914-4F7C-910A-3B4D0B14C729}" type="datetimeFigureOut">
+            <a:fld id="{542E2ECA-EA9F-4A41-9F2C-58ADE3C3BE7C}" type="datetimeFigureOut">
               <a:rPr lang="en-US" smtClean="0"/>
-              <a:t>10/3/2022</a:t>
+              <a:t>10/10/2022</a:t>
             </a:fld>
             <a:endParaRPr lang="en-US"/>
           </a:p>
@@ -2075,7 +2081,7 @@
           <p:cNvPr id="3" name="Footer Placeholder 2">
             <a:extLst>
               <a:ext uri="{FF2B5EF4-FFF2-40B4-BE49-F238E27FC236}">
-                <a16:creationId xmlns:a16="http://schemas.microsoft.com/office/drawing/2014/main" id="{3BEBA45E-AFA1-2F4A-1095-64C4416F61CB}"/>
+                <a16:creationId xmlns:a16="http://schemas.microsoft.com/office/drawing/2014/main" id="{F05C970B-83FF-EF76-93EC-02F19C0B4DAD}"/>
               </a:ext>
             </a:extLst>
           </p:cNvPr>
@@ -2100,7 +2106,7 @@
           <p:cNvPr id="4" name="Slide Number Placeholder 3">
             <a:extLst>
               <a:ext uri="{FF2B5EF4-FFF2-40B4-BE49-F238E27FC236}">
-                <a16:creationId xmlns:a16="http://schemas.microsoft.com/office/drawing/2014/main" id="{3F0535E3-5D8F-3139-5EF1-E40D58C40D67}"/>
+                <a16:creationId xmlns:a16="http://schemas.microsoft.com/office/drawing/2014/main" id="{D677F5CA-A598-BAC0-A285-2F12E9B22FA8}"/>
               </a:ext>
             </a:extLst>
           </p:cNvPr>
@@ -2116,7 +2122,7 @@
           <a:bodyPr/>
           <a:lstStyle/>
           <a:p>
-            <a:fld id="{C1F66F3A-135C-48E7-B631-D54ABFFC4E4F}" type="slidenum">
+            <a:fld id="{16F74C10-AAFA-4D96-956F-A3B8DD9BAF58}" type="slidenum">
               <a:rPr lang="en-US" smtClean="0"/>
               <a:t>‹#›</a:t>
             </a:fld>
@@ -2127,7 +2133,7 @@
     </p:spTree>
     <p:extLst>
       <p:ext uri="{BB962C8B-B14F-4D97-AF65-F5344CB8AC3E}">
-        <p14:creationId xmlns:p14="http://schemas.microsoft.com/office/powerpoint/2010/main" val="2906437416"/>
+        <p14:creationId xmlns:p14="http://schemas.microsoft.com/office/powerpoint/2010/main" val="215659589"/>
       </p:ext>
     </p:extLst>
   </p:cSld>
@@ -2159,7 +2165,7 @@
           <p:cNvPr id="2" name="Title 1">
             <a:extLst>
               <a:ext uri="{FF2B5EF4-FFF2-40B4-BE49-F238E27FC236}">
-                <a16:creationId xmlns:a16="http://schemas.microsoft.com/office/drawing/2014/main" id="{CDC8AE84-8601-FB01-A582-FF3DEF4A9A10}"/>
+                <a16:creationId xmlns:a16="http://schemas.microsoft.com/office/drawing/2014/main" id="{C7DF6A22-AE21-6522-83AB-9EEC62565F80}"/>
               </a:ext>
             </a:extLst>
           </p:cNvPr>
@@ -2196,7 +2202,7 @@
           <p:cNvPr id="3" name="Content Placeholder 2">
             <a:extLst>
               <a:ext uri="{FF2B5EF4-FFF2-40B4-BE49-F238E27FC236}">
-                <a16:creationId xmlns:a16="http://schemas.microsoft.com/office/drawing/2014/main" id="{047CC1BE-F07A-C368-1D5E-3FF2FA9A64BF}"/>
+                <a16:creationId xmlns:a16="http://schemas.microsoft.com/office/drawing/2014/main" id="{A0BEEB49-6160-48B9-A2D0-90F5786179A4}"/>
               </a:ext>
             </a:extLst>
           </p:cNvPr>
@@ -2286,7 +2292,7 @@
           <p:cNvPr id="4" name="Text Placeholder 3">
             <a:extLst>
               <a:ext uri="{FF2B5EF4-FFF2-40B4-BE49-F238E27FC236}">
-                <a16:creationId xmlns:a16="http://schemas.microsoft.com/office/drawing/2014/main" id="{4C3299F4-5A34-9450-D00D-214945D7E677}"/>
+                <a16:creationId xmlns:a16="http://schemas.microsoft.com/office/drawing/2014/main" id="{D5E1C887-D1C7-13B3-2C06-BECAB1BBE3F2}"/>
               </a:ext>
             </a:extLst>
           </p:cNvPr>
@@ -2357,7 +2363,7 @@
           <p:cNvPr id="5" name="Date Placeholder 4">
             <a:extLst>
               <a:ext uri="{FF2B5EF4-FFF2-40B4-BE49-F238E27FC236}">
-                <a16:creationId xmlns:a16="http://schemas.microsoft.com/office/drawing/2014/main" id="{1D29CB42-3D75-460C-6590-D3FEFC247692}"/>
+                <a16:creationId xmlns:a16="http://schemas.microsoft.com/office/drawing/2014/main" id="{18E722A1-44E0-AE1B-F437-A4FA2EE23128}"/>
               </a:ext>
             </a:extLst>
           </p:cNvPr>
@@ -2373,9 +2379,9 @@
           <a:bodyPr/>
           <a:lstStyle/>
           <a:p>
-            <a:fld id="{46CD74F8-C914-4F7C-910A-3B4D0B14C729}" type="datetimeFigureOut">
+            <a:fld id="{542E2ECA-EA9F-4A41-9F2C-58ADE3C3BE7C}" type="datetimeFigureOut">
               <a:rPr lang="en-US" smtClean="0"/>
-              <a:t>10/3/2022</a:t>
+              <a:t>10/10/2022</a:t>
             </a:fld>
             <a:endParaRPr lang="en-US"/>
           </a:p>
@@ -2386,7 +2392,7 @@
           <p:cNvPr id="6" name="Footer Placeholder 5">
             <a:extLst>
               <a:ext uri="{FF2B5EF4-FFF2-40B4-BE49-F238E27FC236}">
-                <a16:creationId xmlns:a16="http://schemas.microsoft.com/office/drawing/2014/main" id="{E2E3464E-BB10-780C-5F02-3A445F1A502B}"/>
+                <a16:creationId xmlns:a16="http://schemas.microsoft.com/office/drawing/2014/main" id="{46421689-B912-5028-F055-7D86C48016E2}"/>
               </a:ext>
             </a:extLst>
           </p:cNvPr>
@@ -2411,7 +2417,7 @@
           <p:cNvPr id="7" name="Slide Number Placeholder 6">
             <a:extLst>
               <a:ext uri="{FF2B5EF4-FFF2-40B4-BE49-F238E27FC236}">
-                <a16:creationId xmlns:a16="http://schemas.microsoft.com/office/drawing/2014/main" id="{713A5B58-CC4E-D00B-AC19-94009E9897C3}"/>
+                <a16:creationId xmlns:a16="http://schemas.microsoft.com/office/drawing/2014/main" id="{87283CA2-B3BC-6DF8-F48E-80D0D539CD6E}"/>
               </a:ext>
             </a:extLst>
           </p:cNvPr>
@@ -2427,7 +2433,7 @@
           <a:bodyPr/>
           <a:lstStyle/>
           <a:p>
-            <a:fld id="{C1F66F3A-135C-48E7-B631-D54ABFFC4E4F}" type="slidenum">
+            <a:fld id="{16F74C10-AAFA-4D96-956F-A3B8DD9BAF58}" type="slidenum">
               <a:rPr lang="en-US" smtClean="0"/>
               <a:t>‹#›</a:t>
             </a:fld>
@@ -2438,7 +2444,7 @@
     </p:spTree>
     <p:extLst>
       <p:ext uri="{BB962C8B-B14F-4D97-AF65-F5344CB8AC3E}">
-        <p14:creationId xmlns:p14="http://schemas.microsoft.com/office/powerpoint/2010/main" val="2871771580"/>
+        <p14:creationId xmlns:p14="http://schemas.microsoft.com/office/powerpoint/2010/main" val="2675683183"/>
       </p:ext>
     </p:extLst>
   </p:cSld>
@@ -2470,7 +2476,7 @@
           <p:cNvPr id="2" name="Title 1">
             <a:extLst>
               <a:ext uri="{FF2B5EF4-FFF2-40B4-BE49-F238E27FC236}">
-                <a16:creationId xmlns:a16="http://schemas.microsoft.com/office/drawing/2014/main" id="{5CC04DBB-68E5-B27B-CF12-EFC1F716D0BE}"/>
+                <a16:creationId xmlns:a16="http://schemas.microsoft.com/office/drawing/2014/main" id="{A50061AD-025D-487B-26B2-A3D2A82A0B4B}"/>
               </a:ext>
             </a:extLst>
           </p:cNvPr>
@@ -2507,7 +2513,7 @@
           <p:cNvPr id="3" name="Picture Placeholder 2">
             <a:extLst>
               <a:ext uri="{FF2B5EF4-FFF2-40B4-BE49-F238E27FC236}">
-                <a16:creationId xmlns:a16="http://schemas.microsoft.com/office/drawing/2014/main" id="{E7C6F469-D2AD-2D2C-B14A-90FB01F5DBDB}"/>
+                <a16:creationId xmlns:a16="http://schemas.microsoft.com/office/drawing/2014/main" id="{60A21A79-5DD7-0226-54C9-669CF05D9635}"/>
               </a:ext>
             </a:extLst>
           </p:cNvPr>
@@ -2574,7 +2580,7 @@
           <p:cNvPr id="4" name="Text Placeholder 3">
             <a:extLst>
               <a:ext uri="{FF2B5EF4-FFF2-40B4-BE49-F238E27FC236}">
-                <a16:creationId xmlns:a16="http://schemas.microsoft.com/office/drawing/2014/main" id="{6C2842E0-F95A-E564-4BFF-32715ACC9A5C}"/>
+                <a16:creationId xmlns:a16="http://schemas.microsoft.com/office/drawing/2014/main" id="{630831C5-53EE-684D-7974-4176AE13A9EB}"/>
               </a:ext>
             </a:extLst>
           </p:cNvPr>
@@ -2645,7 +2651,7 @@
           <p:cNvPr id="5" name="Date Placeholder 4">
             <a:extLst>
               <a:ext uri="{FF2B5EF4-FFF2-40B4-BE49-F238E27FC236}">
-                <a16:creationId xmlns:a16="http://schemas.microsoft.com/office/drawing/2014/main" id="{5B49289C-4BA8-51FB-5326-37ECB41BB79B}"/>
+                <a16:creationId xmlns:a16="http://schemas.microsoft.com/office/drawing/2014/main" id="{B659E15B-466C-02A8-CDE6-B2BED9EAE763}"/>
               </a:ext>
             </a:extLst>
           </p:cNvPr>
@@ -2661,9 +2667,9 @@
           <a:bodyPr/>
           <a:lstStyle/>
           <a:p>
-            <a:fld id="{46CD74F8-C914-4F7C-910A-3B4D0B14C729}" type="datetimeFigureOut">
+            <a:fld id="{542E2ECA-EA9F-4A41-9F2C-58ADE3C3BE7C}" type="datetimeFigureOut">
               <a:rPr lang="en-US" smtClean="0"/>
-              <a:t>10/3/2022</a:t>
+              <a:t>10/10/2022</a:t>
             </a:fld>
             <a:endParaRPr lang="en-US"/>
           </a:p>
@@ -2674,7 +2680,7 @@
           <p:cNvPr id="6" name="Footer Placeholder 5">
             <a:extLst>
               <a:ext uri="{FF2B5EF4-FFF2-40B4-BE49-F238E27FC236}">
-                <a16:creationId xmlns:a16="http://schemas.microsoft.com/office/drawing/2014/main" id="{1C68CFB1-ADF7-F583-CE55-897440C8E823}"/>
+                <a16:creationId xmlns:a16="http://schemas.microsoft.com/office/drawing/2014/main" id="{34A16C5E-4CB0-3293-717A-E38FB1AB8AF7}"/>
               </a:ext>
             </a:extLst>
           </p:cNvPr>
@@ -2699,7 +2705,7 @@
           <p:cNvPr id="7" name="Slide Number Placeholder 6">
             <a:extLst>
               <a:ext uri="{FF2B5EF4-FFF2-40B4-BE49-F238E27FC236}">
-                <a16:creationId xmlns:a16="http://schemas.microsoft.com/office/drawing/2014/main" id="{A320A067-1367-F2A3-158E-4D531C09828A}"/>
+                <a16:creationId xmlns:a16="http://schemas.microsoft.com/office/drawing/2014/main" id="{0BCE6A33-FD0A-27C5-2CF4-9A2419184E58}"/>
               </a:ext>
             </a:extLst>
           </p:cNvPr>
@@ -2715,7 +2721,7 @@
           <a:bodyPr/>
           <a:lstStyle/>
           <a:p>
-            <a:fld id="{C1F66F3A-135C-48E7-B631-D54ABFFC4E4F}" type="slidenum">
+            <a:fld id="{16F74C10-AAFA-4D96-956F-A3B8DD9BAF58}" type="slidenum">
               <a:rPr lang="en-US" smtClean="0"/>
               <a:t>‹#›</a:t>
             </a:fld>
@@ -2726,7 +2732,7 @@
     </p:spTree>
     <p:extLst>
       <p:ext uri="{BB962C8B-B14F-4D97-AF65-F5344CB8AC3E}">
-        <p14:creationId xmlns:p14="http://schemas.microsoft.com/office/powerpoint/2010/main" val="2805471221"/>
+        <p14:creationId xmlns:p14="http://schemas.microsoft.com/office/powerpoint/2010/main" val="899175453"/>
       </p:ext>
     </p:extLst>
   </p:cSld>
@@ -2763,7 +2769,7 @@
           <p:cNvPr id="2" name="Title Placeholder 1">
             <a:extLst>
               <a:ext uri="{FF2B5EF4-FFF2-40B4-BE49-F238E27FC236}">
-                <a16:creationId xmlns:a16="http://schemas.microsoft.com/office/drawing/2014/main" id="{F118A3E3-407E-6150-E104-F00CFB842EFD}"/>
+                <a16:creationId xmlns:a16="http://schemas.microsoft.com/office/drawing/2014/main" id="{410565B4-BA2A-E53F-5DC1-A2FC9F3DFFB6}"/>
               </a:ext>
             </a:extLst>
           </p:cNvPr>
@@ -2801,7 +2807,7 @@
           <p:cNvPr id="3" name="Text Placeholder 2">
             <a:extLst>
               <a:ext uri="{FF2B5EF4-FFF2-40B4-BE49-F238E27FC236}">
-                <a16:creationId xmlns:a16="http://schemas.microsoft.com/office/drawing/2014/main" id="{89A864C4-8788-2211-A2A8-643B381E8CC8}"/>
+                <a16:creationId xmlns:a16="http://schemas.microsoft.com/office/drawing/2014/main" id="{6713BD42-5524-6E42-4044-974489D38A3E}"/>
               </a:ext>
             </a:extLst>
           </p:cNvPr>
@@ -2868,7 +2874,7 @@
           <p:cNvPr id="4" name="Date Placeholder 3">
             <a:extLst>
               <a:ext uri="{FF2B5EF4-FFF2-40B4-BE49-F238E27FC236}">
-                <a16:creationId xmlns:a16="http://schemas.microsoft.com/office/drawing/2014/main" id="{710854AE-1685-0874-A026-6EF103F7F09F}"/>
+                <a16:creationId xmlns:a16="http://schemas.microsoft.com/office/drawing/2014/main" id="{8FB06DEC-600A-359D-C9CD-29A04EF9DC32}"/>
               </a:ext>
             </a:extLst>
           </p:cNvPr>
@@ -2902,9 +2908,9 @@
             </a:lvl1pPr>
           </a:lstStyle>
           <a:p>
-            <a:fld id="{46CD74F8-C914-4F7C-910A-3B4D0B14C729}" type="datetimeFigureOut">
+            <a:fld id="{542E2ECA-EA9F-4A41-9F2C-58ADE3C3BE7C}" type="datetimeFigureOut">
               <a:rPr lang="en-US" smtClean="0"/>
-              <a:t>10/3/2022</a:t>
+              <a:t>10/10/2022</a:t>
             </a:fld>
             <a:endParaRPr lang="en-US"/>
           </a:p>
@@ -2915,7 +2921,7 @@
           <p:cNvPr id="5" name="Footer Placeholder 4">
             <a:extLst>
               <a:ext uri="{FF2B5EF4-FFF2-40B4-BE49-F238E27FC236}">
-                <a16:creationId xmlns:a16="http://schemas.microsoft.com/office/drawing/2014/main" id="{CE69F125-5926-9124-2E0B-D701845F8376}"/>
+                <a16:creationId xmlns:a16="http://schemas.microsoft.com/office/drawing/2014/main" id="{25878ED3-E507-8531-7E46-C0777328DF3C}"/>
               </a:ext>
             </a:extLst>
           </p:cNvPr>
@@ -2958,7 +2964,7 @@
           <p:cNvPr id="6" name="Slide Number Placeholder 5">
             <a:extLst>
               <a:ext uri="{FF2B5EF4-FFF2-40B4-BE49-F238E27FC236}">
-                <a16:creationId xmlns:a16="http://schemas.microsoft.com/office/drawing/2014/main" id="{1AE00826-5AAE-5AC4-6049-E0E8858C6F21}"/>
+                <a16:creationId xmlns:a16="http://schemas.microsoft.com/office/drawing/2014/main" id="{1917C444-675A-01CC-BCE4-43B1CE75383F}"/>
               </a:ext>
             </a:extLst>
           </p:cNvPr>
@@ -2992,7 +2998,7 @@
             </a:lvl1pPr>
           </a:lstStyle>
           <a:p>
-            <a:fld id="{C1F66F3A-135C-48E7-B631-D54ABFFC4E4F}" type="slidenum">
+            <a:fld id="{16F74C10-AAFA-4D96-956F-A3B8DD9BAF58}" type="slidenum">
               <a:rPr lang="en-US" smtClean="0"/>
               <a:t>‹#›</a:t>
             </a:fld>
@@ -3003,7 +3009,7 @@
     </p:spTree>
     <p:extLst>
       <p:ext uri="{BB962C8B-B14F-4D97-AF65-F5344CB8AC3E}">
-        <p14:creationId xmlns:p14="http://schemas.microsoft.com/office/powerpoint/2010/main" val="2813086807"/>
+        <p14:creationId xmlns:p14="http://schemas.microsoft.com/office/powerpoint/2010/main" val="3472419275"/>
       </p:ext>
     </p:extLst>
   </p:cSld>
@@ -3326,7 +3332,7 @@
           <p:cNvPr id="4" name="Title 3">
             <a:extLst>
               <a:ext uri="{FF2B5EF4-FFF2-40B4-BE49-F238E27FC236}">
-                <a16:creationId xmlns:a16="http://schemas.microsoft.com/office/drawing/2014/main" id="{B75F9ABD-34B3-BC8F-77F8-85BFEE3864EC}"/>
+                <a16:creationId xmlns:a16="http://schemas.microsoft.com/office/drawing/2014/main" id="{FC9AABDC-81FB-0BCA-72B7-D2226C05851C}"/>
               </a:ext>
             </a:extLst>
           </p:cNvPr>
@@ -3357,7 +3363,7 @@
           <p:cNvPr id="7" name="Content Placeholder 6">
             <a:extLst>
               <a:ext uri="{FF2B5EF4-FFF2-40B4-BE49-F238E27FC236}">
-                <a16:creationId xmlns:a16="http://schemas.microsoft.com/office/drawing/2014/main" id="{07DB0B5D-779E-02DD-C154-92BE08BD0A35}"/>
+                <a16:creationId xmlns:a16="http://schemas.microsoft.com/office/drawing/2014/main" id="{A34F920F-7991-572E-0A59-5188C8F6DC2C}"/>
               </a:ext>
             </a:extLst>
           </p:cNvPr>
@@ -3376,15 +3382,105 @@
         </p:blipFill>
         <p:spPr>
           <a:xfrm>
-            <a:off x="4871402" y="1825625"/>
-            <a:ext cx="2449195" cy="4351338"/>
+            <a:off x="4738294" y="1825625"/>
+            <a:ext cx="2715412" cy="4351338"/>
           </a:xfrm>
         </p:spPr>
       </p:pic>
     </p:spTree>
     <p:extLst>
       <p:ext uri="{BB962C8B-B14F-4D97-AF65-F5344CB8AC3E}">
-        <p14:creationId xmlns:p14="http://schemas.microsoft.com/office/powerpoint/2010/main" val="237629825"/>
+        <p14:creationId xmlns:p14="http://schemas.microsoft.com/office/powerpoint/2010/main" val="4148603646"/>
+      </p:ext>
+    </p:extLst>
+  </p:cSld>
+  <p:clrMapOvr>
+    <a:masterClrMapping/>
+  </p:clrMapOvr>
+</p:sld>
+</file>
+
+<file path=ppt/slides/slide2.xml><?xml version="1.0" encoding="utf-8"?>
+<p:sld xmlns:a="http://schemas.openxmlformats.org/drawingml/2006/main" xmlns:r="http://schemas.openxmlformats.org/officeDocument/2006/relationships" xmlns:p="http://schemas.openxmlformats.org/presentationml/2006/main">
+  <p:cSld>
+    <p:spTree>
+      <p:nvGrpSpPr>
+        <p:cNvPr id="1" name=""/>
+        <p:cNvGrpSpPr/>
+        <p:nvPr/>
+      </p:nvGrpSpPr>
+      <p:grpSpPr>
+        <a:xfrm>
+          <a:off x="0" y="0"/>
+          <a:ext cx="0" cy="0"/>
+          <a:chOff x="0" y="0"/>
+          <a:chExt cx="0" cy="0"/>
+        </a:xfrm>
+      </p:grpSpPr>
+      <p:sp>
+        <p:nvSpPr>
+          <p:cNvPr id="4" name="Title 3">
+            <a:extLst>
+              <a:ext uri="{FF2B5EF4-FFF2-40B4-BE49-F238E27FC236}">
+                <a16:creationId xmlns:a16="http://schemas.microsoft.com/office/drawing/2014/main" id="{FC9AABDC-81FB-0BCA-72B7-D2226C05851C}"/>
+              </a:ext>
+            </a:extLst>
+          </p:cNvPr>
+          <p:cNvSpPr>
+            <a:spLocks noGrp="1"/>
+          </p:cNvSpPr>
+          <p:nvPr>
+            <p:ph type="title"/>
+          </p:nvPr>
+        </p:nvSpPr>
+        <p:spPr/>
+        <p:txBody>
+          <a:bodyPr/>
+          <a:lstStyle/>
+          <a:p>
+            <a:r>
+              <a:rPr lang="en-US" dirty="0">
+                <a:hlinkClick r:id="rId2"/>
+              </a:rPr>
+              <a:t>https://github.com/angelodellamorte404/deus_vult_shop-flutter</a:t>
+            </a:r>
+            <a:endParaRPr lang="en-US" dirty="0"/>
+          </a:p>
+        </p:txBody>
+      </p:sp>
+      <p:pic>
+        <p:nvPicPr>
+          <p:cNvPr id="5" name="Content Placeholder 4">
+            <a:extLst>
+              <a:ext uri="{FF2B5EF4-FFF2-40B4-BE49-F238E27FC236}">
+                <a16:creationId xmlns:a16="http://schemas.microsoft.com/office/drawing/2014/main" id="{10F5C83C-2495-CC8D-237B-DEBC7F28C35E}"/>
+              </a:ext>
+            </a:extLst>
+          </p:cNvPr>
+          <p:cNvPicPr>
+            <a:picLocks noGrp="1" noChangeAspect="1"/>
+          </p:cNvPicPr>
+          <p:nvPr>
+            <p:ph idx="1"/>
+          </p:nvPr>
+        </p:nvPicPr>
+        <p:blipFill>
+          <a:blip r:embed="rId3"/>
+          <a:stretch>
+            <a:fillRect/>
+          </a:stretch>
+        </p:blipFill>
+        <p:spPr>
+          <a:xfrm>
+            <a:off x="4740067" y="1825625"/>
+            <a:ext cx="2711866" cy="4351338"/>
+          </a:xfrm>
+        </p:spPr>
+      </p:pic>
+    </p:spTree>
+    <p:extLst>
+      <p:ext uri="{BB962C8B-B14F-4D97-AF65-F5344CB8AC3E}">
+        <p14:creationId xmlns:p14="http://schemas.microsoft.com/office/powerpoint/2010/main" val="4282342179"/>
       </p:ext>
     </p:extLst>
   </p:cSld>

--- a/Home Page.pptx
+++ b/Home Page.pptx
@@ -3360,10 +3360,10 @@
       </p:sp>
       <p:pic>
         <p:nvPicPr>
-          <p:cNvPr id="7" name="Content Placeholder 6">
-            <a:extLst>
-              <a:ext uri="{FF2B5EF4-FFF2-40B4-BE49-F238E27FC236}">
-                <a16:creationId xmlns:a16="http://schemas.microsoft.com/office/drawing/2014/main" id="{A34F920F-7991-572E-0A59-5188C8F6DC2C}"/>
+          <p:cNvPr id="6" name="Content Placeholder 5">
+            <a:extLst>
+              <a:ext uri="{FF2B5EF4-FFF2-40B4-BE49-F238E27FC236}">
+                <a16:creationId xmlns:a16="http://schemas.microsoft.com/office/drawing/2014/main" id="{51E24934-8BFA-F88E-C16A-445F3B5C0348}"/>
               </a:ext>
             </a:extLst>
           </p:cNvPr>
@@ -3382,8 +3382,8 @@
         </p:blipFill>
         <p:spPr>
           <a:xfrm>
-            <a:off x="4738294" y="1825625"/>
-            <a:ext cx="2715412" cy="4351338"/>
+            <a:off x="4748759" y="1825625"/>
+            <a:ext cx="2694482" cy="4351338"/>
           </a:xfrm>
         </p:spPr>
       </p:pic>
